--- a/Reports/MSDS 6370 Statistical Sampling Project - Sudip Bhattacharyya Dan Freeman.pptx
+++ b/Reports/MSDS 6370 Statistical Sampling Project - Sudip Bhattacharyya Dan Freeman.pptx
@@ -130,6 +130,25 @@
 </p:presentation>
 </file>
 
+<file path=ppt/commentAuthors.xml><?xml version="1.0" encoding="utf-8"?>
+<p:cmAuthorLst xmlns:a="http://schemas.openxmlformats.org/drawingml/2006/main" xmlns:r="http://schemas.openxmlformats.org/officeDocument/2006/relationships" xmlns:p="http://schemas.openxmlformats.org/presentationml/2006/main">
+  <p:cmAuthor id="1" name="Daniel Freeman" initials="DF" lastIdx="1" clrIdx="0">
+    <p:extLst>
+      <p:ext uri="{19B8F6BF-5375-455C-9EA6-DF929625EA0E}">
+        <p15:presenceInfo xmlns:p15="http://schemas.microsoft.com/office/powerpoint/2012/main" userId="Daniel Freeman" providerId="None"/>
+      </p:ext>
+    </p:extLst>
+  </p:cmAuthor>
+  <p:cmAuthor id="2" name="Freeman, Daniel" initials="FD" lastIdx="1" clrIdx="1">
+    <p:extLst>
+      <p:ext uri="{19B8F6BF-5375-455C-9EA6-DF929625EA0E}">
+        <p15:presenceInfo xmlns:p15="http://schemas.microsoft.com/office/powerpoint/2012/main" userId="Freeman, Daniel" providerId="None"/>
+      </p:ext>
+    </p:extLst>
+  </p:cmAuthor>
+</p:cmAuthorLst>
+</file>
+
 <file path=ppt/notesMasters/notesMaster1.xml><?xml version="1.0" encoding="utf-8"?>
 <p:notesMaster xmlns:a="http://schemas.openxmlformats.org/drawingml/2006/main" xmlns:r="http://schemas.openxmlformats.org/officeDocument/2006/relationships" xmlns:p="http://schemas.openxmlformats.org/presentationml/2006/main">
   <p:cSld>
@@ -212,7 +231,7 @@
           <a:p>
             <a:fld id="{1159C409-A678-4132-9312-7CC26CED64ED}" type="datetimeFigureOut">
               <a:rPr lang="en-US" smtClean="0"/>
-              <a:t>4/3/2018</a:t>
+              <a:t>4/4/2018</a:t>
             </a:fld>
             <a:endParaRPr lang="en-US"/>
           </a:p>
@@ -710,7 +729,7 @@
           <a:p>
             <a:fld id="{7185FDBC-89BE-4861-8459-393F84F03ED8}" type="datetimeFigureOut">
               <a:rPr lang="en-US" smtClean="0"/>
-              <a:t>4/3/2018</a:t>
+              <a:t>4/4/2018</a:t>
             </a:fld>
             <a:endParaRPr lang="en-US"/>
           </a:p>
@@ -908,7 +927,7 @@
           <a:p>
             <a:fld id="{7185FDBC-89BE-4861-8459-393F84F03ED8}" type="datetimeFigureOut">
               <a:rPr lang="en-US" smtClean="0"/>
-              <a:t>4/3/2018</a:t>
+              <a:t>4/4/2018</a:t>
             </a:fld>
             <a:endParaRPr lang="en-US"/>
           </a:p>
@@ -1116,7 +1135,7 @@
           <a:p>
             <a:fld id="{7185FDBC-89BE-4861-8459-393F84F03ED8}" type="datetimeFigureOut">
               <a:rPr lang="en-US" smtClean="0"/>
-              <a:t>4/3/2018</a:t>
+              <a:t>4/4/2018</a:t>
             </a:fld>
             <a:endParaRPr lang="en-US"/>
           </a:p>
@@ -1314,7 +1333,7 @@
           <a:p>
             <a:fld id="{7185FDBC-89BE-4861-8459-393F84F03ED8}" type="datetimeFigureOut">
               <a:rPr lang="en-US" smtClean="0"/>
-              <a:t>4/3/2018</a:t>
+              <a:t>4/4/2018</a:t>
             </a:fld>
             <a:endParaRPr lang="en-US"/>
           </a:p>
@@ -1589,7 +1608,7 @@
           <a:p>
             <a:fld id="{7185FDBC-89BE-4861-8459-393F84F03ED8}" type="datetimeFigureOut">
               <a:rPr lang="en-US" smtClean="0"/>
-              <a:t>4/3/2018</a:t>
+              <a:t>4/4/2018</a:t>
             </a:fld>
             <a:endParaRPr lang="en-US"/>
           </a:p>
@@ -1854,7 +1873,7 @@
           <a:p>
             <a:fld id="{7185FDBC-89BE-4861-8459-393F84F03ED8}" type="datetimeFigureOut">
               <a:rPr lang="en-US" smtClean="0"/>
-              <a:t>4/3/2018</a:t>
+              <a:t>4/4/2018</a:t>
             </a:fld>
             <a:endParaRPr lang="en-US"/>
           </a:p>
@@ -2266,7 +2285,7 @@
           <a:p>
             <a:fld id="{7185FDBC-89BE-4861-8459-393F84F03ED8}" type="datetimeFigureOut">
               <a:rPr lang="en-US" smtClean="0"/>
-              <a:t>4/3/2018</a:t>
+              <a:t>4/4/2018</a:t>
             </a:fld>
             <a:endParaRPr lang="en-US"/>
           </a:p>
@@ -2407,7 +2426,7 @@
           <a:p>
             <a:fld id="{7185FDBC-89BE-4861-8459-393F84F03ED8}" type="datetimeFigureOut">
               <a:rPr lang="en-US" smtClean="0"/>
-              <a:t>4/3/2018</a:t>
+              <a:t>4/4/2018</a:t>
             </a:fld>
             <a:endParaRPr lang="en-US"/>
           </a:p>
@@ -2520,7 +2539,7 @@
           <a:p>
             <a:fld id="{7185FDBC-89BE-4861-8459-393F84F03ED8}" type="datetimeFigureOut">
               <a:rPr lang="en-US" smtClean="0"/>
-              <a:t>4/3/2018</a:t>
+              <a:t>4/4/2018</a:t>
             </a:fld>
             <a:endParaRPr lang="en-US"/>
           </a:p>
@@ -2831,7 +2850,7 @@
           <a:p>
             <a:fld id="{7185FDBC-89BE-4861-8459-393F84F03ED8}" type="datetimeFigureOut">
               <a:rPr lang="en-US" smtClean="0"/>
-              <a:t>4/3/2018</a:t>
+              <a:t>4/4/2018</a:t>
             </a:fld>
             <a:endParaRPr lang="en-US"/>
           </a:p>
@@ -3119,7 +3138,7 @@
           <a:p>
             <a:fld id="{7185FDBC-89BE-4861-8459-393F84F03ED8}" type="datetimeFigureOut">
               <a:rPr lang="en-US" smtClean="0"/>
-              <a:t>4/3/2018</a:t>
+              <a:t>4/4/2018</a:t>
             </a:fld>
             <a:endParaRPr lang="en-US"/>
           </a:p>
@@ -3360,7 +3379,7 @@
           <a:p>
             <a:fld id="{7185FDBC-89BE-4861-8459-393F84F03ED8}" type="datetimeFigureOut">
               <a:rPr lang="en-US" smtClean="0"/>
-              <a:t>4/3/2018</a:t>
+              <a:t>4/4/2018</a:t>
             </a:fld>
             <a:endParaRPr lang="en-US"/>
           </a:p>
@@ -4014,7 +4033,7 @@
         <p:spPr>
           <a:xfrm>
             <a:off x="838200" y="1386886"/>
-            <a:ext cx="10515599" cy="1104387"/>
+            <a:ext cx="10515599" cy="678981"/>
           </a:xfrm>
           <a:solidFill>
             <a:schemeClr val="bg1">
@@ -4038,14 +4057,13 @@
               <a:buNone/>
             </a:pPr>
             <a:r>
-              <a:rPr lang="en-US" sz="1600" dirty="0"/>
-              <a:t>Two-stage sampling is a specific type of sampling design where population is segregated in several clusters based on a characteristic and a specific number of clusters are selected from all the clusters. These selected clusters are called Primary Sampled Units (PSU). In second stage, a further sampling is followed where samples are chosen from all selected clusters based on a sampling design. And sample units selected at this stage are known Secondary Sampled Units (SSU).</a:t>
-            </a:r>
-            <a:endParaRPr lang="en-US" sz="1600" dirty="0">
-              <a:solidFill>
-                <a:srgbClr val="002060"/>
-              </a:solidFill>
-            </a:endParaRPr>
+              <a:rPr lang="en-US" sz="1600" dirty="0">
+                <a:solidFill>
+                  <a:srgbClr val="002060"/>
+                </a:solidFill>
+              </a:rPr>
+              <a:t>Conducted two-stage sampling to estimate average sale price in which clusters were formed based on Neighborhood in the first stage and sales were sampled from selected neighborhoods with stratification based on House Style in the second stage.</a:t>
+            </a:r>
           </a:p>
         </p:txBody>
       </p:sp>
@@ -4065,7 +4083,7 @@
         </p:nvSpPr>
         <p:spPr>
           <a:xfrm>
-            <a:off x="838200" y="2491273"/>
+            <a:off x="838200" y="2344516"/>
             <a:ext cx="3267270" cy="580644"/>
           </a:xfrm>
           <a:prstGeom prst="rect">
@@ -4149,7 +4167,7 @@
         </p:nvSpPr>
         <p:spPr>
           <a:xfrm>
-            <a:off x="838200" y="3071917"/>
+            <a:off x="838200" y="2925160"/>
             <a:ext cx="10515599" cy="3058295"/>
           </a:xfrm>
           <a:prstGeom prst="rect">
@@ -4334,85 +4352,161 @@
           </a:lstStyle>
           <a:p>
             <a:r>
-              <a:rPr lang="en-US" sz="1600" dirty="0"/>
-              <a:t>Total number of PSU - Neighborhood (M) = 25 </a:t>
+              <a:rPr lang="en-US" sz="1600" dirty="0">
+                <a:solidFill>
+                  <a:srgbClr val="002060"/>
+                </a:solidFill>
+              </a:rPr>
+              <a:t>Total number of PSU’s (M) = 25 </a:t>
             </a:r>
           </a:p>
           <a:p>
             <a:r>
-              <a:rPr lang="en-US" sz="1600" dirty="0"/>
-              <a:t>Selected number of PSU (m) = 5</a:t>
+              <a:rPr lang="en-US" sz="1600" dirty="0">
+                <a:solidFill>
+                  <a:srgbClr val="002060"/>
+                </a:solidFill>
+              </a:rPr>
+              <a:t>Selected number of PSU’s (m) = 5</a:t>
             </a:r>
           </a:p>
           <a:p>
             <a:r>
-              <a:rPr lang="en-US" sz="1600" dirty="0"/>
-              <a:t>Number of population units in selected neighborhoods (N) = 141</a:t>
+              <a:rPr lang="en-US" sz="1600" dirty="0">
+                <a:solidFill>
+                  <a:srgbClr val="002060"/>
+                </a:solidFill>
+              </a:rPr>
+              <a:t>Number of population units in selected PSU’s (N) = 141</a:t>
             </a:r>
           </a:p>
           <a:p>
             <a:r>
-              <a:rPr lang="en-US" sz="1600" dirty="0"/>
+              <a:rPr lang="en-US" sz="1600" dirty="0">
+                <a:solidFill>
+                  <a:srgbClr val="002060"/>
+                </a:solidFill>
+              </a:rPr>
               <a:t>N</a:t>
             </a:r>
             <a:r>
-              <a:rPr lang="en-US" sz="1600" baseline="-25000" dirty="0"/>
+              <a:rPr lang="en-US" sz="1600" baseline="-25000" dirty="0">
+                <a:solidFill>
+                  <a:srgbClr val="002060"/>
+                </a:solidFill>
+              </a:rPr>
               <a:t>1</a:t>
             </a:r>
             <a:r>
-              <a:rPr lang="en-US" sz="1600" dirty="0"/>
+              <a:rPr lang="en-US" sz="1600" dirty="0">
+                <a:solidFill>
+                  <a:srgbClr val="002060"/>
+                </a:solidFill>
+              </a:rPr>
               <a:t> = 16, N</a:t>
             </a:r>
             <a:r>
-              <a:rPr lang="en-US" sz="1600" baseline="-25000" dirty="0"/>
+              <a:rPr lang="en-US" sz="1600" baseline="-25000" dirty="0">
+                <a:solidFill>
+                  <a:srgbClr val="002060"/>
+                </a:solidFill>
+              </a:rPr>
               <a:t>2</a:t>
             </a:r>
             <a:r>
-              <a:rPr lang="en-US" sz="1600" dirty="0"/>
+              <a:rPr lang="en-US" sz="1600" dirty="0">
+                <a:solidFill>
+                  <a:srgbClr val="002060"/>
+                </a:solidFill>
+              </a:rPr>
               <a:t> = 17, N</a:t>
             </a:r>
             <a:r>
-              <a:rPr lang="en-US" sz="1600" baseline="-25000" dirty="0"/>
+              <a:rPr lang="en-US" sz="1600" baseline="-25000" dirty="0">
+                <a:solidFill>
+                  <a:srgbClr val="002060"/>
+                </a:solidFill>
+              </a:rPr>
               <a:t>3</a:t>
             </a:r>
             <a:r>
-              <a:rPr lang="en-US" sz="1600" dirty="0"/>
+              <a:rPr lang="en-US" sz="1600" dirty="0">
+                <a:solidFill>
+                  <a:srgbClr val="002060"/>
+                </a:solidFill>
+              </a:rPr>
               <a:t> = 9, N</a:t>
             </a:r>
             <a:r>
-              <a:rPr lang="en-US" sz="1600" baseline="-25000" dirty="0"/>
+              <a:rPr lang="en-US" sz="1600" baseline="-25000" dirty="0">
+                <a:solidFill>
+                  <a:srgbClr val="002060"/>
+                </a:solidFill>
+              </a:rPr>
               <a:t>4</a:t>
             </a:r>
             <a:r>
-              <a:rPr lang="en-US" sz="1600" dirty="0"/>
+              <a:rPr lang="en-US" sz="1600" dirty="0">
+                <a:solidFill>
+                  <a:srgbClr val="002060"/>
+                </a:solidFill>
+              </a:rPr>
               <a:t> = 74, N</a:t>
             </a:r>
             <a:r>
-              <a:rPr lang="en-US" sz="1600" baseline="-25000" dirty="0"/>
+              <a:rPr lang="en-US" sz="1600" baseline="-25000" dirty="0">
+                <a:solidFill>
+                  <a:srgbClr val="002060"/>
+                </a:solidFill>
+              </a:rPr>
               <a:t>5</a:t>
             </a:r>
             <a:r>
-              <a:rPr lang="en-US" sz="1600" dirty="0"/>
-              <a:t> = 25					where N</a:t>
-            </a:r>
-            <a:r>
-              <a:rPr lang="en-US" sz="1600" baseline="-25000" dirty="0"/>
+              <a:rPr lang="en-US" sz="1600" dirty="0">
+                <a:solidFill>
+                  <a:srgbClr val="002060"/>
+                </a:solidFill>
+              </a:rPr>
+              <a:t> = 25			                 where N</a:t>
+            </a:r>
+            <a:r>
+              <a:rPr lang="en-US" sz="1600" baseline="-25000" dirty="0">
+                <a:solidFill>
+                  <a:srgbClr val="002060"/>
+                </a:solidFill>
+              </a:rPr>
               <a:t>i</a:t>
             </a:r>
             <a:r>
-              <a:rPr lang="en-US" sz="1600" dirty="0"/>
-              <a:t> = number of SSU in </a:t>
-            </a:r>
-            <a:r>
-              <a:rPr lang="en-US" sz="1600" dirty="0" err="1"/>
+              <a:rPr lang="en-US" sz="1600" dirty="0">
+                <a:solidFill>
+                  <a:srgbClr val="002060"/>
+                </a:solidFill>
+              </a:rPr>
+              <a:t> = number of SSU’s in </a:t>
+            </a:r>
+            <a:r>
+              <a:rPr lang="en-US" sz="1600" dirty="0" err="1">
+                <a:solidFill>
+                  <a:srgbClr val="002060"/>
+                </a:solidFill>
+              </a:rPr>
               <a:t>i</a:t>
             </a:r>
             <a:r>
-              <a:rPr lang="en-US" sz="1600" baseline="30000" dirty="0" err="1"/>
+              <a:rPr lang="en-US" sz="1600" baseline="30000" dirty="0" err="1">
+                <a:solidFill>
+                  <a:srgbClr val="002060"/>
+                </a:solidFill>
+              </a:rPr>
               <a:t>th</a:t>
             </a:r>
             <a:r>
-              <a:rPr lang="en-US" sz="1600" dirty="0"/>
+              <a:rPr lang="en-US" sz="1600" dirty="0">
+                <a:solidFill>
+                  <a:srgbClr val="002060"/>
+                </a:solidFill>
+              </a:rPr>
               <a:t> PSU</a:t>
             </a:r>
           </a:p>
@@ -4420,102 +4514,169 @@
             <a:pPr marL="0" indent="0">
               <a:buNone/>
             </a:pPr>
-            <a:endParaRPr lang="en-US" sz="1600" dirty="0"/>
-          </a:p>
-          <a:p>
-            <a:r>
-              <a:rPr lang="en-US" sz="1600" dirty="0"/>
-              <a:t>Total sample size (n) = 28 </a:t>
-            </a:r>
-          </a:p>
-          <a:p>
-            <a:r>
-              <a:rPr lang="en-US" sz="1600" dirty="0"/>
-              <a:t>Stratification based on ‘</a:t>
-            </a:r>
-            <a:r>
-              <a:rPr lang="en-US" sz="1600" dirty="0" err="1"/>
-              <a:t>HouseStyle</a:t>
-            </a:r>
-            <a:r>
-              <a:rPr lang="en-US" sz="1600" dirty="0"/>
-              <a:t>’ with proportional allocation, the sample sizes for 5 neighborhoods as follows:</a:t>
-            </a:r>
-          </a:p>
-          <a:p>
-            <a:r>
-              <a:rPr lang="en-US" sz="1600" dirty="0"/>
-              <a:t>n</a:t>
-            </a:r>
-            <a:r>
-              <a:rPr lang="en-US" sz="1600" baseline="-25000" dirty="0"/>
-              <a:t>1</a:t>
-            </a:r>
-            <a:r>
-              <a:rPr lang="en-US" sz="1600" dirty="0"/>
-              <a:t> = 1, n</a:t>
-            </a:r>
-            <a:r>
-              <a:rPr lang="en-US" sz="1600" baseline="-25000" dirty="0"/>
-              <a:t>2</a:t>
-            </a:r>
-            <a:r>
-              <a:rPr lang="en-US" sz="1600" dirty="0"/>
-              <a:t> = 15, n</a:t>
-            </a:r>
-            <a:r>
-              <a:rPr lang="en-US" sz="1600" baseline="-25000" dirty="0"/>
-              <a:t>3</a:t>
-            </a:r>
-            <a:r>
-              <a:rPr lang="en-US" sz="1600" dirty="0"/>
-              <a:t> = 8, n</a:t>
-            </a:r>
-            <a:r>
-              <a:rPr lang="en-US" sz="1600" baseline="-25000" dirty="0"/>
-              <a:t>4</a:t>
-            </a:r>
-            <a:r>
-              <a:rPr lang="en-US" sz="1600" dirty="0"/>
-              <a:t> = 3, n</a:t>
-            </a:r>
-            <a:r>
-              <a:rPr lang="en-US" sz="1600" baseline="-25000" dirty="0"/>
-              <a:t>5</a:t>
-            </a:r>
-            <a:r>
-              <a:rPr lang="en-US" sz="1600" dirty="0"/>
-              <a:t> = 1			                   where </a:t>
-            </a:r>
-            <a:r>
-              <a:rPr lang="en-US" sz="1600" dirty="0" err="1"/>
-              <a:t>n</a:t>
-            </a:r>
-            <a:r>
-              <a:rPr lang="en-US" sz="1600" baseline="-25000" dirty="0" err="1"/>
-              <a:t>i</a:t>
-            </a:r>
-            <a:r>
-              <a:rPr lang="en-US" sz="1600" dirty="0"/>
-              <a:t> = selected number of SSU from </a:t>
-            </a:r>
-            <a:r>
-              <a:rPr lang="en-US" sz="1600" dirty="0" err="1"/>
-              <a:t>i</a:t>
-            </a:r>
-            <a:r>
-              <a:rPr lang="en-US" sz="1600" baseline="30000" dirty="0" err="1"/>
-              <a:t>th</a:t>
-            </a:r>
-            <a:r>
-              <a:rPr lang="en-US" sz="1600" dirty="0"/>
-              <a:t> PSU</a:t>
-            </a:r>
             <a:endParaRPr lang="en-US" sz="1600" dirty="0">
               <a:solidFill>
                 <a:srgbClr val="002060"/>
               </a:solidFill>
             </a:endParaRPr>
+          </a:p>
+          <a:p>
+            <a:r>
+              <a:rPr lang="en-US" sz="1600" dirty="0">
+                <a:solidFill>
+                  <a:srgbClr val="002060"/>
+                </a:solidFill>
+              </a:rPr>
+              <a:t>Total sample size (n) = 28 </a:t>
+            </a:r>
+          </a:p>
+          <a:p>
+            <a:r>
+              <a:rPr lang="en-US" sz="1600" dirty="0">
+                <a:solidFill>
+                  <a:srgbClr val="002060"/>
+                </a:solidFill>
+              </a:rPr>
+              <a:t>Using stratification based on House Style with proportional allocation, the sample sizes for 5 neighborhoods are as follows:</a:t>
+            </a:r>
+          </a:p>
+          <a:p>
+            <a:r>
+              <a:rPr lang="en-US" sz="1600" dirty="0">
+                <a:solidFill>
+                  <a:srgbClr val="002060"/>
+                </a:solidFill>
+              </a:rPr>
+              <a:t>n</a:t>
+            </a:r>
+            <a:r>
+              <a:rPr lang="en-US" sz="1600" baseline="-25000" dirty="0">
+                <a:solidFill>
+                  <a:srgbClr val="002060"/>
+                </a:solidFill>
+              </a:rPr>
+              <a:t>1</a:t>
+            </a:r>
+            <a:r>
+              <a:rPr lang="en-US" sz="1600" dirty="0">
+                <a:solidFill>
+                  <a:srgbClr val="002060"/>
+                </a:solidFill>
+              </a:rPr>
+              <a:t> = 1, n</a:t>
+            </a:r>
+            <a:r>
+              <a:rPr lang="en-US" sz="1600" baseline="-25000" dirty="0">
+                <a:solidFill>
+                  <a:srgbClr val="002060"/>
+                </a:solidFill>
+              </a:rPr>
+              <a:t>2</a:t>
+            </a:r>
+            <a:r>
+              <a:rPr lang="en-US" sz="1600" dirty="0">
+                <a:solidFill>
+                  <a:srgbClr val="002060"/>
+                </a:solidFill>
+              </a:rPr>
+              <a:t> = 15, n</a:t>
+            </a:r>
+            <a:r>
+              <a:rPr lang="en-US" sz="1600" baseline="-25000" dirty="0">
+                <a:solidFill>
+                  <a:srgbClr val="002060"/>
+                </a:solidFill>
+              </a:rPr>
+              <a:t>3</a:t>
+            </a:r>
+            <a:r>
+              <a:rPr lang="en-US" sz="1600" dirty="0">
+                <a:solidFill>
+                  <a:srgbClr val="002060"/>
+                </a:solidFill>
+              </a:rPr>
+              <a:t> = 8, n</a:t>
+            </a:r>
+            <a:r>
+              <a:rPr lang="en-US" sz="1600" baseline="-25000" dirty="0">
+                <a:solidFill>
+                  <a:srgbClr val="002060"/>
+                </a:solidFill>
+              </a:rPr>
+              <a:t>4</a:t>
+            </a:r>
+            <a:r>
+              <a:rPr lang="en-US" sz="1600" dirty="0">
+                <a:solidFill>
+                  <a:srgbClr val="002060"/>
+                </a:solidFill>
+              </a:rPr>
+              <a:t> = 3, n</a:t>
+            </a:r>
+            <a:r>
+              <a:rPr lang="en-US" sz="1600" baseline="-25000" dirty="0">
+                <a:solidFill>
+                  <a:srgbClr val="002060"/>
+                </a:solidFill>
+              </a:rPr>
+              <a:t>5</a:t>
+            </a:r>
+            <a:r>
+              <a:rPr lang="en-US" sz="1600" dirty="0">
+                <a:solidFill>
+                  <a:srgbClr val="002060"/>
+                </a:solidFill>
+              </a:rPr>
+              <a:t> = 1			                 where </a:t>
+            </a:r>
+            <a:r>
+              <a:rPr lang="en-US" sz="1600" dirty="0" err="1">
+                <a:solidFill>
+                  <a:srgbClr val="002060"/>
+                </a:solidFill>
+              </a:rPr>
+              <a:t>n</a:t>
+            </a:r>
+            <a:r>
+              <a:rPr lang="en-US" sz="1600" baseline="-25000" dirty="0" err="1">
+                <a:solidFill>
+                  <a:srgbClr val="002060"/>
+                </a:solidFill>
+              </a:rPr>
+              <a:t>i</a:t>
+            </a:r>
+            <a:r>
+              <a:rPr lang="en-US" sz="1600" dirty="0">
+                <a:solidFill>
+                  <a:srgbClr val="002060"/>
+                </a:solidFill>
+              </a:rPr>
+              <a:t> = selected number of SSU’s from </a:t>
+            </a:r>
+            <a:r>
+              <a:rPr lang="en-US" sz="1600" dirty="0" err="1">
+                <a:solidFill>
+                  <a:srgbClr val="002060"/>
+                </a:solidFill>
+              </a:rPr>
+              <a:t>i</a:t>
+            </a:r>
+            <a:r>
+              <a:rPr lang="en-US" sz="1600" baseline="30000" dirty="0" err="1">
+                <a:solidFill>
+                  <a:srgbClr val="002060"/>
+                </a:solidFill>
+              </a:rPr>
+              <a:t>th</a:t>
+            </a:r>
+            <a:r>
+              <a:rPr lang="en-US" sz="1600" dirty="0">
+                <a:solidFill>
+                  <a:srgbClr val="002060"/>
+                </a:solidFill>
+              </a:rPr>
+              <a:t> PSU</a:t>
+            </a:r>
           </a:p>
         </p:txBody>
       </p:sp>
@@ -4941,7 +5102,7 @@
                 <a:ea typeface="+mn-ea"/>
                 <a:cs typeface="+mn-cs"/>
               </a:rPr>
-              <a:t>S.E of sample mean (s) = 11,068</a:t>
+              <a:t>SE of sample mean (s) = 11,068</a:t>
             </a:r>
           </a:p>
           <a:p>
@@ -4977,7 +5138,7 @@
                 <a:ea typeface="+mn-ea"/>
                 <a:cs typeface="+mn-cs"/>
               </a:rPr>
-              <a:t>95% C.I for sample mean = [127,010, 172,803]</a:t>
+              <a:t>95% CI for sample mean = [127,010, 172,803]</a:t>
             </a:r>
           </a:p>
           <a:p>
@@ -5217,7 +5378,7 @@
         <p:spPr>
           <a:xfrm>
             <a:off x="838200" y="3578287"/>
-            <a:ext cx="10515599" cy="2645225"/>
+            <a:ext cx="10515599" cy="2754780"/>
           </a:xfrm>
           <a:prstGeom prst="rect">
             <a:avLst/>
@@ -5415,7 +5576,18 @@
             </a:r>
             <a:r>
               <a:rPr lang="en-US" sz="1600" dirty="0"/>
-              <a:t> allocation results into the closest estimate (x-bar = 182,808) for population mean (</a:t>
+              <a:t> allocation provides:</a:t>
+            </a:r>
+          </a:p>
+          <a:p>
+            <a:pPr lvl="1">
+              <a:lnSpc>
+                <a:spcPct val="100000"/>
+              </a:lnSpc>
+            </a:pPr>
+            <a:r>
+              <a:rPr lang="en-US" sz="1600" dirty="0"/>
+              <a:t>Closest estimate (x-bar = 182,808) to population mean (</a:t>
             </a:r>
             <a:r>
               <a:rPr lang="el-GR" sz="1600" dirty="0"/>
@@ -5424,6 +5596,28 @@
             <a:r>
               <a:rPr lang="en-US" sz="1600" dirty="0"/>
               <a:t>= 180,921)</a:t>
+            </a:r>
+          </a:p>
+          <a:p>
+            <a:pPr lvl="1">
+              <a:lnSpc>
+                <a:spcPct val="100000"/>
+              </a:lnSpc>
+            </a:pPr>
+            <a:r>
+              <a:rPr lang="en-US" sz="1600" dirty="0"/>
+              <a:t>Lowest standard error (SE = 4,309)</a:t>
+            </a:r>
+          </a:p>
+          <a:p>
+            <a:pPr lvl="1">
+              <a:lnSpc>
+                <a:spcPct val="100000"/>
+              </a:lnSpc>
+            </a:pPr>
+            <a:r>
+              <a:rPr lang="en-US" sz="1600" dirty="0"/>
+              <a:t>Narrowest confidence interval (CI = [174,311, 191,304])</a:t>
             </a:r>
           </a:p>
           <a:p>
@@ -5434,64 +5628,29 @@
             </a:pPr>
             <a:r>
               <a:rPr lang="en-US" sz="1600" dirty="0"/>
-              <a:t>Stratified sampling design with </a:t>
-            </a:r>
-            <a:r>
-              <a:rPr lang="en-US" sz="1600" dirty="0" err="1"/>
-              <a:t>Neyman</a:t>
-            </a:r>
-            <a:r>
-              <a:rPr lang="en-US" sz="1600" dirty="0"/>
-              <a:t> allocation provides lowest standard error (</a:t>
-            </a:r>
-            <a:r>
-              <a:rPr lang="en-US" sz="1600" dirty="0" err="1"/>
-              <a:t>s.e.</a:t>
-            </a:r>
-            <a:r>
-              <a:rPr lang="en-US" sz="1600" dirty="0"/>
-              <a:t> = 4,309)</a:t>
+              <a:t>Design effect with:</a:t>
             </a:r>
           </a:p>
           <a:p>
-            <a:pPr>
+            <a:pPr lvl="1">
               <a:lnSpc>
                 <a:spcPct val="100000"/>
               </a:lnSpc>
             </a:pPr>
             <a:r>
               <a:rPr lang="en-US" sz="1600" dirty="0"/>
-              <a:t>Stratified sampling design with </a:t>
-            </a:r>
-            <a:r>
-              <a:rPr lang="en-US" sz="1600" dirty="0" err="1"/>
-              <a:t>Neyman</a:t>
-            </a:r>
-            <a:r>
-              <a:rPr lang="en-US" sz="1600" dirty="0"/>
-              <a:t> allocation provides narrowest confidence interval (C.I = [174,311, 191,304])</a:t>
+              <a:t>Stratified design with proportional allocation = 1.04, indicates required sample size of 217 units to achieve an equal precision in estimation as compared to 208 in simple random sampling</a:t>
             </a:r>
           </a:p>
           <a:p>
-            <a:pPr>
+            <a:pPr lvl="1">
               <a:lnSpc>
                 <a:spcPct val="100000"/>
               </a:lnSpc>
             </a:pPr>
             <a:r>
               <a:rPr lang="en-US" sz="1600" dirty="0"/>
-              <a:t>Design effect for stratified design with proportional allocation = 1.04, indicates required sample size of 217 units to achieve an equal precision in estimation as compared to 208 in simple random sampling</a:t>
-            </a:r>
-          </a:p>
-          <a:p>
-            <a:pPr>
-              <a:lnSpc>
-                <a:spcPct val="100000"/>
-              </a:lnSpc>
-            </a:pPr>
-            <a:r>
-              <a:rPr lang="en-US" sz="1600" dirty="0"/>
-              <a:t>Design effect for stratified design with </a:t>
+              <a:t>Stratified design with </a:t>
             </a:r>
             <a:r>
               <a:rPr lang="en-US" sz="1600" dirty="0" err="1"/>
@@ -5501,20 +5660,6 @@
               <a:rPr lang="en-US" sz="1600" dirty="0"/>
               <a:t> allocation = 0.71, indicates 149 sample units are needed to achieve an equal precision as compared to 208 for simple random sampling</a:t>
             </a:r>
-            <a:endParaRPr kumimoji="0" lang="en-US" sz="1600" b="0" i="0" u="none" strike="noStrike" kern="1200" cap="none" spc="0" normalizeH="0" baseline="0" noProof="0" dirty="0">
-              <a:ln>
-                <a:noFill/>
-              </a:ln>
-              <a:solidFill>
-                <a:srgbClr val="002060"/>
-              </a:solidFill>
-              <a:effectLst/>
-              <a:uLnTx/>
-              <a:uFillTx/>
-              <a:latin typeface="Calibri" panose="020F0502020204030204"/>
-              <a:ea typeface="+mn-ea"/>
-              <a:cs typeface="+mn-cs"/>
-            </a:endParaRPr>
           </a:p>
         </p:txBody>
       </p:sp>
@@ -11214,7 +11359,7 @@
             </a:pPr>
             <a:r>
               <a:rPr lang="en-US" sz="1600" dirty="0"/>
-              <a:t>Stratified sampling with proportional allocation estimates mean of average sale prices which is almost $2,000 above population mean</a:t>
+              <a:t>Stratified sampling with proportional allocation yields an average sale price almost $2,000 above the population mean</a:t>
             </a:r>
           </a:p>
           <a:p>
@@ -11233,7 +11378,7 @@
             </a:r>
             <a:r>
               <a:rPr lang="en-US" sz="1600" dirty="0"/>
-              <a:t> allocation comes the closest in predicting the population mean with an sample average of $181,530 across the five samples, merely $609 higher than population mean</a:t>
+              <a:t> allocation comes the closest in predicting the population mean with a sample average of $181,530 across the five samples, merely $609 higher than population mean</a:t>
             </a:r>
           </a:p>
           <a:p>
@@ -11285,7 +11430,7 @@
             </a:pPr>
             <a:r>
               <a:rPr lang="en-US" sz="1600" dirty="0"/>
-              <a:t>Overall Stratification following </a:t>
+              <a:t>Overall, stratification following </a:t>
             </a:r>
             <a:r>
               <a:rPr lang="en-US" sz="1600" dirty="0" err="1"/>
@@ -12348,7 +12493,11 @@
           </a:p>
           <a:p>
             <a:r>
-              <a:rPr lang="en-US" sz="1600" dirty="0"/>
+              <a:rPr lang="en-US" sz="1600" dirty="0">
+                <a:solidFill>
+                  <a:srgbClr val="002060"/>
+                </a:solidFill>
+              </a:rPr>
               <a:t>Dataset provides the house sale prices in 25 different neighborhoods of Ames, Iowa in between 2006 and 2010</a:t>
             </a:r>
           </a:p>
@@ -12359,7 +12508,7 @@
                   <a:srgbClr val="002060"/>
                 </a:solidFill>
               </a:rPr>
-              <a:t>Dataset contains 81 variables (categorical and continuous) across 1460 house-sales between 2006 and 2010</a:t>
+              <a:t>Dataset contains 81 variables (categorical and continuous) across 1,460 house-sales between 2006 and 2010</a:t>
             </a:r>
           </a:p>
           <a:p>
@@ -12374,7 +12523,7 @@
                   <a:srgbClr val="002060"/>
                 </a:solidFill>
               </a:rPr>
-              <a:t>Variables cover the aspects such as Sale price, Zoning, Neighborhood, Lot size and character, Age of the property, House Style, Foundation, Total area, Number of rooms, Garage quality, Additional features etc.</a:t>
+              <a:t>Variables cover aspects such as Sale Price, Zoning, Neighborhood, Lot Size and Character, Age of the Property, House Style, Foundation, Total Area, Number of Rooms, Garage Quality, Additional Features, etc.</a:t>
             </a:r>
           </a:p>
           <a:p>
@@ -12458,7 +12607,7 @@
         </p:spPr>
         <p:txBody>
           <a:bodyPr vert="horz" lIns="91440" tIns="45720" rIns="91440" bIns="45720" rtlCol="0">
-            <a:normAutofit lnSpcReduction="10000"/>
+            <a:normAutofit fontScale="92500" lnSpcReduction="10000"/>
           </a:bodyPr>
           <a:lstStyle>
             <a:lvl1pPr marL="228600" indent="-228600" algn="l" defTabSz="914400" rtl="0" eaLnBrk="1" latinLnBrk="0" hangingPunct="1">
@@ -12665,7 +12814,7 @@
                   <a:srgbClr val="002060"/>
                 </a:solidFill>
               </a:rPr>
-              <a:t>Average sale price for population (µ) = $180,921</a:t>
+              <a:t>Population average sale price for population (µ) = $180,921</a:t>
             </a:r>
           </a:p>
           <a:p>
@@ -12675,7 +12824,7 @@
                   <a:srgbClr val="002060"/>
                 </a:solidFill>
               </a:rPr>
-              <a:t>Standard deviation of sale prices for population (σ) = $79,415</a:t>
+              <a:t>Population standard deviation of sale price (σ) = $79,415</a:t>
             </a:r>
           </a:p>
           <a:p>
@@ -12695,7 +12844,7 @@
                   <a:srgbClr val="002060"/>
                 </a:solidFill>
               </a:rPr>
-              <a:t>Over 50% of sales cost between $110,000 and $185,000</a:t>
+              <a:t>Over 50% of houses cost between $110,000 and $185,000</a:t>
             </a:r>
           </a:p>
           <a:p>
@@ -12705,7 +12854,7 @@
                   <a:srgbClr val="002060"/>
                 </a:solidFill>
               </a:rPr>
-              <a:t>Sale price has right skewed distribution due to few high value sales</a:t>
+              <a:t>Sale price has right skewed distribution due to a few expensive houses</a:t>
             </a:r>
           </a:p>
         </p:txBody>
@@ -13084,7 +13233,7 @@
                 <a:ea typeface="+mn-ea"/>
                 <a:cs typeface="+mn-cs"/>
               </a:rPr>
-              <a:t>Stratified Sampling with proportional allocation</a:t>
+              <a:t>Stratified Sampling with Proportional Allocation</a:t>
             </a:r>
           </a:p>
           <a:p>
@@ -13154,7 +13303,7 @@
                 <a:ea typeface="+mn-ea"/>
                 <a:cs typeface="+mn-cs"/>
               </a:rPr>
-              <a:t> allocation</a:t>
+              <a:t> Allocation</a:t>
             </a:r>
           </a:p>
           <a:p>
@@ -13190,7 +13339,7 @@
                 <a:ea typeface="+mn-ea"/>
                 <a:cs typeface="+mn-cs"/>
               </a:rPr>
-              <a:t>Two Stage Sampling</a:t>
+              <a:t>Two-stage Sampling</a:t>
             </a:r>
           </a:p>
         </p:txBody>
@@ -13419,7 +13568,7 @@
                 </a:solidFill>
                 <a:latin typeface="Calibri" panose="020F0502020204030204"/>
               </a:rPr>
-              <a:t>CLT and considering large sample size, as</a:t>
+              <a:t>CLT and large sample size, as</a:t>
             </a:r>
             <a:r>
               <a:rPr kumimoji="0" lang="en-US" sz="1600" b="0" i="0" u="none" strike="noStrike" kern="1200" cap="none" spc="0" normalizeH="0" baseline="0" noProof="0" dirty="0" err="1">
@@ -13453,7 +13602,7 @@
                 <a:ea typeface="+mn-ea"/>
                 <a:cs typeface="+mn-cs"/>
               </a:rPr>
-              <a:t> Normality in population distribution despite observed skewness.</a:t>
+              <a:t> normality in population distribution despite observed skewness.</a:t>
             </a:r>
           </a:p>
           <a:p>
@@ -13464,7 +13613,7 @@
                 </a:solidFill>
                 <a:latin typeface="Calibri" panose="020F0502020204030204"/>
               </a:rPr>
-              <a:t>Margin of error = $10,000 (approximated 5% of average sale price in population)</a:t>
+              <a:t>Margin of error = $10,000 (approximately 5% of average sale price in population)</a:t>
             </a:r>
           </a:p>
           <a:p>
@@ -13806,7 +13955,7 @@
                 </a:solidFill>
                 <a:latin typeface="Calibri" panose="020F0502020204030204"/>
               </a:rPr>
-              <a:t>Consider sample size of 208 sample units/records for all four sampling methods irrespective of complexity of the designs.</a:t>
+              <a:t>Consider sample size of 208 houses for all four sampling methods irrespective of complexity of the designs.</a:t>
             </a:r>
           </a:p>
         </p:txBody>
@@ -13899,8 +14048,8 @@
         </p:nvSpPr>
         <p:spPr>
           <a:xfrm>
-            <a:off x="838200" y="1060313"/>
-            <a:ext cx="10515599" cy="665849"/>
+            <a:off x="824106" y="1165982"/>
+            <a:ext cx="10515599" cy="419446"/>
           </a:xfrm>
           <a:solidFill>
             <a:schemeClr val="bg1">
@@ -13929,21 +14078,8 @@
                   <a:srgbClr val="002060"/>
                 </a:solidFill>
               </a:rPr>
-              <a:t>Simple random sampling is a sampling design </a:t>
-            </a:r>
-            <a:r>
-              <a:rPr lang="en-US" sz="1600" dirty="0">
-                <a:latin typeface="Calibri" panose="020F0502020204030204" pitchFamily="34" charset="0"/>
-                <a:ea typeface="Calibri" panose="020F0502020204030204" pitchFamily="34" charset="0"/>
-                <a:cs typeface="Times New Roman" panose="02020603050405020304" pitchFamily="18" charset="0"/>
-              </a:rPr>
-              <a:t>in which each sample unit is chosen randomly so that at any stage all the population units have the same probability of being chosen in the sample.</a:t>
-            </a:r>
-            <a:endParaRPr lang="en-US" sz="1600" dirty="0">
-              <a:solidFill>
-                <a:srgbClr val="002060"/>
-              </a:solidFill>
-            </a:endParaRPr>
+              <a:t>Simple random sampling performed on the entire dataset to estimate population mean sale price.</a:t>
+            </a:r>
           </a:p>
         </p:txBody>
       </p:sp>
@@ -14265,7 +14401,7 @@
                   <a:srgbClr val="002060"/>
                 </a:solidFill>
               </a:rPr>
-              <a:t>S.E of sample mean (s) = 5,099</a:t>
+              <a:t>SE of sample mean (s) = 5,099</a:t>
             </a:r>
           </a:p>
           <a:p>
@@ -14275,7 +14411,7 @@
                   <a:srgbClr val="002060"/>
                 </a:solidFill>
               </a:rPr>
-              <a:t>95% C.I for sample mean = [167,325, 187,430]</a:t>
+              <a:t>95% CI for sample mean = [167,325, 187,430]</a:t>
             </a:r>
           </a:p>
           <a:p>
@@ -14415,8 +14551,8 @@
         </p:nvSpPr>
         <p:spPr>
           <a:xfrm>
-            <a:off x="838200" y="1386886"/>
-            <a:ext cx="10515599" cy="1113721"/>
+            <a:off x="838200" y="1601378"/>
+            <a:ext cx="10515599" cy="580644"/>
           </a:xfrm>
           <a:solidFill>
             <a:schemeClr val="bg1">
@@ -14440,14 +14576,13 @@
               <a:buNone/>
             </a:pPr>
             <a:r>
-              <a:rPr lang="en-US" sz="1600" dirty="0"/>
-              <a:t>Stratified sampling is a technique followed when the population has several homogeneous subgroups, known as strata, and the sample is drawn in such a way that each stratum is representative of the population. A simple random sampling method is used to select sample units from each stratum. For a proportional allocation, sample units from each stratum maintain the same ratio of the number of units in each stratum in the population.</a:t>
-            </a:r>
-            <a:endParaRPr lang="en-US" sz="1600" dirty="0">
-              <a:solidFill>
-                <a:srgbClr val="002060"/>
-              </a:solidFill>
-            </a:endParaRPr>
+              <a:rPr lang="en-US" sz="1600" dirty="0">
+                <a:solidFill>
+                  <a:srgbClr val="002060"/>
+                </a:solidFill>
+              </a:rPr>
+              <a:t>Stratified sampling with proportional allocation is done to estimate average sale price with House Style used as stratification variable.</a:t>
+            </a:r>
           </a:p>
         </p:txBody>
       </p:sp>
@@ -14467,7 +14602,7 @@
         </p:nvSpPr>
         <p:spPr>
           <a:xfrm>
-            <a:off x="838200" y="2615149"/>
+            <a:off x="826911" y="2389369"/>
             <a:ext cx="3267270" cy="580644"/>
           </a:xfrm>
           <a:prstGeom prst="rect">
@@ -14550,13 +14685,13 @@
           <p:nvPr>
             <p:extLst>
               <p:ext uri="{D42A27DB-BD31-4B8C-83A1-F6EECF244321}">
-                <p14:modId xmlns:p14="http://schemas.microsoft.com/office/powerpoint/2010/main" val="1131485509"/>
+                <p14:modId xmlns:p14="http://schemas.microsoft.com/office/powerpoint/2010/main" val="1480431588"/>
               </p:ext>
             </p:extLst>
           </p:nvPr>
         </p:nvGraphicFramePr>
         <p:xfrm>
-          <a:off x="3354354" y="3310335"/>
+          <a:off x="3354354" y="3163578"/>
           <a:ext cx="5483292" cy="2885189"/>
         </p:xfrm>
         <a:graphic>
@@ -14684,12 +14819,24 @@
                         </a:spcAft>
                       </a:pPr>
                       <a:r>
-                        <a:rPr lang="en-US" sz="900">
-                          <a:effectLst/>
-                        </a:rPr>
-                        <a:t>No. Of Houses (Nh)</a:t>
-                      </a:r>
-                      <a:endParaRPr lang="en-US" sz="1100">
+                        <a:rPr lang="en-US" sz="900" dirty="0">
+                          <a:effectLst/>
+                        </a:rPr>
+                        <a:t>No. of Houses (N</a:t>
+                      </a:r>
+                      <a:r>
+                        <a:rPr lang="en-US" sz="900" baseline="-25000" dirty="0">
+                          <a:effectLst/>
+                        </a:rPr>
+                        <a:t>h</a:t>
+                      </a:r>
+                      <a:r>
+                        <a:rPr lang="en-US" sz="900" dirty="0">
+                          <a:effectLst/>
+                        </a:rPr>
+                        <a:t>)</a:t>
+                      </a:r>
+                      <a:endParaRPr lang="en-US" sz="1100" dirty="0">
                         <a:effectLst/>
                         <a:latin typeface="Calibri" panose="020F0502020204030204" pitchFamily="34" charset="0"/>
                         <a:ea typeface="Calibri" panose="020F0502020204030204" pitchFamily="34" charset="0"/>
@@ -14716,12 +14863,30 @@
                         </a:spcAft>
                       </a:pPr>
                       <a:r>
-                        <a:rPr lang="en-US" sz="900">
-                          <a:effectLst/>
-                        </a:rPr>
-                        <a:t>Proportion (ph)</a:t>
-                      </a:r>
-                      <a:endParaRPr lang="en-US" sz="1100">
+                        <a:rPr lang="en-US" sz="900" dirty="0">
+                          <a:effectLst/>
+                        </a:rPr>
+                        <a:t>Proportion (</a:t>
+                      </a:r>
+                      <a:r>
+                        <a:rPr lang="en-US" sz="900" dirty="0" err="1">
+                          <a:effectLst/>
+                        </a:rPr>
+                        <a:t>p</a:t>
+                      </a:r>
+                      <a:r>
+                        <a:rPr lang="en-US" sz="900" baseline="-25000" dirty="0" err="1">
+                          <a:effectLst/>
+                        </a:rPr>
+                        <a:t>h</a:t>
+                      </a:r>
+                      <a:r>
+                        <a:rPr lang="en-US" sz="900" dirty="0">
+                          <a:effectLst/>
+                        </a:rPr>
+                        <a:t>)</a:t>
+                      </a:r>
+                      <a:endParaRPr lang="en-US" sz="1100" dirty="0">
                         <a:effectLst/>
                         <a:latin typeface="Calibri" panose="020F0502020204030204" pitchFamily="34" charset="0"/>
                         <a:ea typeface="Calibri" panose="020F0502020204030204" pitchFamily="34" charset="0"/>
@@ -14748,12 +14913,30 @@
                         </a:spcAft>
                       </a:pPr>
                       <a:r>
-                        <a:rPr lang="en-US" sz="900">
-                          <a:effectLst/>
-                        </a:rPr>
-                        <a:t>Sample Size (nh) </a:t>
-                      </a:r>
-                      <a:endParaRPr lang="en-US" sz="1100">
+                        <a:rPr lang="en-US" sz="900" dirty="0">
+                          <a:effectLst/>
+                        </a:rPr>
+                        <a:t>Sample Size (</a:t>
+                      </a:r>
+                      <a:r>
+                        <a:rPr lang="en-US" sz="900" dirty="0" err="1">
+                          <a:effectLst/>
+                        </a:rPr>
+                        <a:t>n</a:t>
+                      </a:r>
+                      <a:r>
+                        <a:rPr lang="en-US" sz="900" baseline="-25000" dirty="0" err="1">
+                          <a:effectLst/>
+                        </a:rPr>
+                        <a:t>h</a:t>
+                      </a:r>
+                      <a:r>
+                        <a:rPr lang="en-US" sz="900" dirty="0">
+                          <a:effectLst/>
+                        </a:rPr>
+                        <a:t>) </a:t>
+                      </a:r>
+                      <a:endParaRPr lang="en-US" sz="1100" dirty="0">
                         <a:effectLst/>
                         <a:latin typeface="Calibri" panose="020F0502020204030204" pitchFamily="34" charset="0"/>
                         <a:ea typeface="Calibri" panose="020F0502020204030204" pitchFamily="34" charset="0"/>
@@ -16704,7 +16887,7 @@
                 <a:ea typeface="+mn-ea"/>
                 <a:cs typeface="+mn-cs"/>
               </a:rPr>
-              <a:t>S.E of sample mean (s) = 5,211</a:t>
+              <a:t>SE of sample mean (s) = 5,211</a:t>
             </a:r>
           </a:p>
           <a:p>
@@ -16740,7 +16923,7 @@
                 <a:ea typeface="+mn-ea"/>
                 <a:cs typeface="+mn-cs"/>
               </a:rPr>
-              <a:t>95% C.I for sample mean = [169,010, 189,562]</a:t>
+              <a:t>95% CI for sample mean = [169,010, 189,562]</a:t>
             </a:r>
           </a:p>
           <a:p>
@@ -17000,7 +17183,7 @@
         <p:spPr>
           <a:xfrm>
             <a:off x="838200" y="1386886"/>
-            <a:ext cx="10515599" cy="580645"/>
+            <a:ext cx="10515599" cy="580644"/>
           </a:xfrm>
           <a:solidFill>
             <a:schemeClr val="bg1">
@@ -17029,11 +17212,15 @@
                   <a:srgbClr val="002060"/>
                 </a:solidFill>
               </a:rPr>
-              <a:t>Another type of stratification method </a:t>
-            </a:r>
-            <a:r>
-              <a:rPr lang="en-US" sz="1600" dirty="0"/>
-              <a:t>in which the variation of an auxiliary variable between strata are considered for determining the sample sizes for different strata to form the sample.</a:t>
+              <a:t>Stratified sampling with </a:t>
+            </a:r>
+            <a:r>
+              <a:rPr lang="en-US" sz="1600" dirty="0" err="1">
+                <a:solidFill>
+                  <a:srgbClr val="002060"/>
+                </a:solidFill>
+              </a:rPr>
+              <a:t>Neyman</a:t>
             </a:r>
             <a:r>
               <a:rPr lang="en-US" sz="1600" dirty="0">
@@ -17041,7 +17228,7 @@
                   <a:srgbClr val="002060"/>
                 </a:solidFill>
               </a:rPr>
-              <a:t> </a:t>
+              <a:t> allocation is done to estimate average sale price with House Style used as stratification variable and Gross Living Area for calculating variance between strata.</a:t>
             </a:r>
           </a:p>
         </p:txBody>
@@ -17145,7 +17332,7 @@
           <p:nvPr>
             <p:extLst>
               <p:ext uri="{D42A27DB-BD31-4B8C-83A1-F6EECF244321}">
-                <p14:modId xmlns:p14="http://schemas.microsoft.com/office/powerpoint/2010/main" val="4030619242"/>
+                <p14:modId xmlns:p14="http://schemas.microsoft.com/office/powerpoint/2010/main" val="540571822"/>
               </p:ext>
             </p:extLst>
           </p:nvPr>
@@ -17293,10 +17480,54 @@
                         </a:spcAft>
                       </a:pPr>
                       <a:r>
+                        <a:rPr lang="en-US" sz="900" dirty="0">
+                          <a:effectLst/>
+                        </a:rPr>
+                        <a:t>No. Of Houses (N</a:t>
+                      </a:r>
+                      <a:r>
+                        <a:rPr lang="en-US" sz="900" baseline="-25000" dirty="0">
+                          <a:effectLst/>
+                        </a:rPr>
+                        <a:t>h</a:t>
+                      </a:r>
+                      <a:r>
+                        <a:rPr lang="en-US" sz="900" dirty="0">
+                          <a:effectLst/>
+                        </a:rPr>
+                        <a:t>)</a:t>
+                      </a:r>
+                      <a:endParaRPr lang="en-US" sz="1100" dirty="0">
+                        <a:effectLst/>
+                        <a:latin typeface="Calibri" panose="020F0502020204030204" pitchFamily="34" charset="0"/>
+                        <a:ea typeface="Calibri" panose="020F0502020204030204" pitchFamily="34" charset="0"/>
+                        <a:cs typeface="Times New Roman" panose="02020603050405020304" pitchFamily="18" charset="0"/>
+                      </a:endParaRPr>
+                    </a:p>
+                  </a:txBody>
+                  <a:tcPr marL="68580" marR="68580" marT="0" marB="0" anchor="ctr"/>
+                </a:tc>
+                <a:tc>
+                  <a:txBody>
+                    <a:bodyPr/>
+                    <a:lstStyle/>
+                    <a:p>
+                      <a:pPr marL="0" marR="0" algn="ctr">
+                        <a:lnSpc>
+                          <a:spcPct val="107000"/>
+                        </a:lnSpc>
+                        <a:spcBef>
+                          <a:spcPts val="0"/>
+                        </a:spcBef>
+                        <a:spcAft>
+                          <a:spcPts val="0"/>
+                        </a:spcAft>
+                      </a:pPr>
+                      <a:r>
                         <a:rPr lang="en-US" sz="900">
                           <a:effectLst/>
                         </a:rPr>
-                        <a:t>No. Of Houses (Nh)</a:t>
+                        <a:t>Average Gross Living Area</a:t>
                       </a:r>
                       <a:endParaRPr lang="en-US" sz="1100">
                         <a:effectLst/>
@@ -17325,12 +17556,36 @@
                         </a:spcAft>
                       </a:pPr>
                       <a:r>
-                        <a:rPr lang="en-US" sz="900">
-                          <a:effectLst/>
-                        </a:rPr>
-                        <a:t>Average Gross Living Area</a:t>
-                      </a:r>
-                      <a:endParaRPr lang="en-US" sz="1100">
+                        <a:rPr lang="en-US" sz="900" dirty="0" err="1">
+                          <a:effectLst/>
+                        </a:rPr>
+                        <a:t>Std</a:t>
+                      </a:r>
+                      <a:r>
+                        <a:rPr lang="en-US" sz="900" dirty="0">
+                          <a:effectLst/>
+                        </a:rPr>
+                        <a:t> Dev Gross Living Area (</a:t>
+                      </a:r>
+                      <a:r>
+                        <a:rPr lang="en-US" sz="900" dirty="0" err="1">
+                          <a:effectLst/>
+                        </a:rPr>
+                        <a:t>s</a:t>
+                      </a:r>
+                      <a:r>
+                        <a:rPr lang="en-US" sz="900" baseline="-25000" dirty="0" err="1">
+                          <a:effectLst/>
+                        </a:rPr>
+                        <a:t>h</a:t>
+                      </a:r>
+                      <a:r>
+                        <a:rPr lang="en-US" sz="900" dirty="0">
+                          <a:effectLst/>
+                        </a:rPr>
+                        <a:t>)</a:t>
+                      </a:r>
+                      <a:endParaRPr lang="en-US" sz="1100" dirty="0">
                         <a:effectLst/>
                         <a:latin typeface="Calibri" panose="020F0502020204030204" pitchFamily="34" charset="0"/>
                         <a:ea typeface="Calibri" panose="020F0502020204030204" pitchFamily="34" charset="0"/>
@@ -17357,12 +17612,36 @@
                         </a:spcAft>
                       </a:pPr>
                       <a:r>
-                        <a:rPr lang="en-US" sz="900">
-                          <a:effectLst/>
-                        </a:rPr>
-                        <a:t>Std Dev Gross Living Area (sh)</a:t>
-                      </a:r>
-                      <a:endParaRPr lang="en-US" sz="1100">
+                        <a:rPr lang="en-US" sz="900" dirty="0">
+                          <a:effectLst/>
+                        </a:rPr>
+                        <a:t>N</a:t>
+                      </a:r>
+                      <a:r>
+                        <a:rPr lang="en-US" sz="900" baseline="-25000" dirty="0">
+                          <a:effectLst/>
+                        </a:rPr>
+                        <a:t>h</a:t>
+                      </a:r>
+                      <a:r>
+                        <a:rPr lang="en-US" sz="900" dirty="0">
+                          <a:effectLst/>
+                        </a:rPr>
+                        <a:t>*</a:t>
+                      </a:r>
+                      <a:r>
+                        <a:rPr lang="en-US" sz="900" dirty="0" err="1">
+                          <a:effectLst/>
+                        </a:rPr>
+                        <a:t>s</a:t>
+                      </a:r>
+                      <a:r>
+                        <a:rPr lang="en-US" sz="900" baseline="-25000" dirty="0" err="1">
+                          <a:effectLst/>
+                        </a:rPr>
+                        <a:t>h</a:t>
+                      </a:r>
+                      <a:endParaRPr lang="en-US" sz="1100" baseline="-25000" dirty="0">
                         <a:effectLst/>
                         <a:latin typeface="Calibri" panose="020F0502020204030204" pitchFamily="34" charset="0"/>
                         <a:ea typeface="Calibri" panose="020F0502020204030204" pitchFamily="34" charset="0"/>
@@ -17389,44 +17668,30 @@
                         </a:spcAft>
                       </a:pPr>
                       <a:r>
-                        <a:rPr lang="en-US" sz="900">
-                          <a:effectLst/>
-                        </a:rPr>
-                        <a:t>Nh*sh</a:t>
-                      </a:r>
-                      <a:endParaRPr lang="en-US" sz="1100">
-                        <a:effectLst/>
-                        <a:latin typeface="Calibri" panose="020F0502020204030204" pitchFamily="34" charset="0"/>
-                        <a:ea typeface="Calibri" panose="020F0502020204030204" pitchFamily="34" charset="0"/>
-                        <a:cs typeface="Times New Roman" panose="02020603050405020304" pitchFamily="18" charset="0"/>
-                      </a:endParaRPr>
-                    </a:p>
-                  </a:txBody>
-                  <a:tcPr marL="68580" marR="68580" marT="0" marB="0" anchor="ctr"/>
-                </a:tc>
-                <a:tc>
-                  <a:txBody>
-                    <a:bodyPr/>
-                    <a:lstStyle/>
-                    <a:p>
-                      <a:pPr marL="0" marR="0" algn="ctr">
-                        <a:lnSpc>
-                          <a:spcPct val="107000"/>
-                        </a:lnSpc>
-                        <a:spcBef>
-                          <a:spcPts val="0"/>
-                        </a:spcBef>
-                        <a:spcAft>
-                          <a:spcPts val="0"/>
-                        </a:spcAft>
-                      </a:pPr>
-                      <a:r>
-                        <a:rPr lang="en-US" sz="900">
-                          <a:effectLst/>
-                        </a:rPr>
-                        <a:t>Sample Size (nh) </a:t>
-                      </a:r>
-                      <a:endParaRPr lang="en-US" sz="1100">
+                        <a:rPr lang="en-US" sz="900" dirty="0">
+                          <a:effectLst/>
+                        </a:rPr>
+                        <a:t>Sample Size (</a:t>
+                      </a:r>
+                      <a:r>
+                        <a:rPr lang="en-US" sz="900" dirty="0" err="1">
+                          <a:effectLst/>
+                        </a:rPr>
+                        <a:t>n</a:t>
+                      </a:r>
+                      <a:r>
+                        <a:rPr lang="en-US" sz="900" baseline="-25000" dirty="0" err="1">
+                          <a:effectLst/>
+                        </a:rPr>
+                        <a:t>h</a:t>
+                      </a:r>
+                      <a:r>
+                        <a:rPr lang="en-US" sz="900" dirty="0">
+                          <a:effectLst/>
+                        </a:rPr>
+                        <a:t>) </a:t>
+                      </a:r>
+                      <a:endParaRPr lang="en-US" sz="1100" dirty="0">
                         <a:effectLst/>
                         <a:latin typeface="Calibri" panose="020F0502020204030204" pitchFamily="34" charset="0"/>
                         <a:ea typeface="Calibri" panose="020F0502020204030204" pitchFamily="34" charset="0"/>
@@ -19947,7 +20212,7 @@
                 <a:ea typeface="+mn-ea"/>
                 <a:cs typeface="+mn-cs"/>
               </a:rPr>
-              <a:t>S.E of sample mean (s) = 4,309</a:t>
+              <a:t>SE of sample mean (s) = 4,309</a:t>
             </a:r>
           </a:p>
           <a:p>
@@ -19983,7 +20248,7 @@
                 <a:ea typeface="+mn-ea"/>
                 <a:cs typeface="+mn-cs"/>
               </a:rPr>
-              <a:t>95% C.I for sample mean = [174,312, 191,304]</a:t>
+              <a:t>95% CI for sample mean = [174,312, 191,304]</a:t>
             </a:r>
           </a:p>
           <a:p>

--- a/Reports/MSDS 6370 Statistical Sampling Project - Sudip Bhattacharyya Dan Freeman.pptx
+++ b/Reports/MSDS 6370 Statistical Sampling Project - Sudip Bhattacharyya Dan Freeman.pptx
@@ -5567,15 +5567,27 @@
               </a:lnSpc>
             </a:pPr>
             <a:r>
-              <a:rPr lang="en-US" sz="1600" dirty="0"/>
+              <a:rPr lang="en-US" sz="1600" dirty="0">
+                <a:solidFill>
+                  <a:srgbClr val="002060"/>
+                </a:solidFill>
+              </a:rPr>
               <a:t>Stratified sampling design with </a:t>
             </a:r>
             <a:r>
-              <a:rPr lang="en-US" sz="1600" dirty="0" err="1"/>
+              <a:rPr lang="en-US" sz="1600" dirty="0" err="1">
+                <a:solidFill>
+                  <a:srgbClr val="002060"/>
+                </a:solidFill>
+              </a:rPr>
               <a:t>Neyman</a:t>
             </a:r>
             <a:r>
-              <a:rPr lang="en-US" sz="1600" dirty="0"/>
+              <a:rPr lang="en-US" sz="1600" dirty="0">
+                <a:solidFill>
+                  <a:srgbClr val="002060"/>
+                </a:solidFill>
+              </a:rPr>
               <a:t> allocation provides:</a:t>
             </a:r>
           </a:p>
@@ -5586,15 +5598,27 @@
               </a:lnSpc>
             </a:pPr>
             <a:r>
-              <a:rPr lang="en-US" sz="1600" dirty="0"/>
+              <a:rPr lang="en-US" sz="1600" dirty="0">
+                <a:solidFill>
+                  <a:srgbClr val="002060"/>
+                </a:solidFill>
+              </a:rPr>
               <a:t>Closest estimate (x-bar = 182,808) to population mean (</a:t>
             </a:r>
             <a:r>
-              <a:rPr lang="el-GR" sz="1600" dirty="0"/>
+              <a:rPr lang="el-GR" sz="1600" dirty="0">
+                <a:solidFill>
+                  <a:srgbClr val="002060"/>
+                </a:solidFill>
+              </a:rPr>
               <a:t>μ</a:t>
             </a:r>
             <a:r>
-              <a:rPr lang="en-US" sz="1600" dirty="0"/>
+              <a:rPr lang="en-US" sz="1600" dirty="0">
+                <a:solidFill>
+                  <a:srgbClr val="002060"/>
+                </a:solidFill>
+              </a:rPr>
               <a:t>= 180,921)</a:t>
             </a:r>
           </a:p>
@@ -5605,7 +5629,11 @@
               </a:lnSpc>
             </a:pPr>
             <a:r>
-              <a:rPr lang="en-US" sz="1600" dirty="0"/>
+              <a:rPr lang="en-US" sz="1600" dirty="0">
+                <a:solidFill>
+                  <a:srgbClr val="002060"/>
+                </a:solidFill>
+              </a:rPr>
               <a:t>Lowest standard error (SE = 4,309)</a:t>
             </a:r>
           </a:p>
@@ -5616,7 +5644,11 @@
               </a:lnSpc>
             </a:pPr>
             <a:r>
-              <a:rPr lang="en-US" sz="1600" dirty="0"/>
+              <a:rPr lang="en-US" sz="1600" dirty="0">
+                <a:solidFill>
+                  <a:srgbClr val="002060"/>
+                </a:solidFill>
+              </a:rPr>
               <a:t>Narrowest confidence interval (CI = [174,311, 191,304])</a:t>
             </a:r>
           </a:p>
@@ -5627,7 +5659,11 @@
               </a:lnSpc>
             </a:pPr>
             <a:r>
-              <a:rPr lang="en-US" sz="1600" dirty="0"/>
+              <a:rPr lang="en-US" sz="1600" dirty="0">
+                <a:solidFill>
+                  <a:srgbClr val="002060"/>
+                </a:solidFill>
+              </a:rPr>
               <a:t>Design effect with:</a:t>
             </a:r>
           </a:p>
@@ -5638,7 +5674,11 @@
               </a:lnSpc>
             </a:pPr>
             <a:r>
-              <a:rPr lang="en-US" sz="1600" dirty="0"/>
+              <a:rPr lang="en-US" sz="1600" dirty="0">
+                <a:solidFill>
+                  <a:srgbClr val="002060"/>
+                </a:solidFill>
+              </a:rPr>
               <a:t>Stratified design with proportional allocation = 1.04, indicates required sample size of 217 units to achieve an equal precision in estimation as compared to 208 in simple random sampling</a:t>
             </a:r>
           </a:p>
@@ -5649,15 +5689,27 @@
               </a:lnSpc>
             </a:pPr>
             <a:r>
-              <a:rPr lang="en-US" sz="1600" dirty="0"/>
+              <a:rPr lang="en-US" sz="1600" dirty="0">
+                <a:solidFill>
+                  <a:srgbClr val="002060"/>
+                </a:solidFill>
+              </a:rPr>
               <a:t>Stratified design with </a:t>
             </a:r>
             <a:r>
-              <a:rPr lang="en-US" sz="1600" dirty="0" err="1"/>
+              <a:rPr lang="en-US" sz="1600" dirty="0" err="1">
+                <a:solidFill>
+                  <a:srgbClr val="002060"/>
+                </a:solidFill>
+              </a:rPr>
               <a:t>Neyman</a:t>
             </a:r>
             <a:r>
-              <a:rPr lang="en-US" sz="1600" dirty="0"/>
+              <a:rPr lang="en-US" sz="1600" dirty="0">
+                <a:solidFill>
+                  <a:srgbClr val="002060"/>
+                </a:solidFill>
+              </a:rPr>
               <a:t> allocation = 0.71, indicates 149 sample units are needed to achieve an equal precision as compared to 208 for simple random sampling</a:t>
             </a:r>
           </a:p>
@@ -6752,14 +6804,13 @@
               <a:buNone/>
             </a:pPr>
             <a:r>
-              <a:rPr lang="en-US" sz="1600" dirty="0"/>
+              <a:rPr lang="en-US" sz="1600" dirty="0">
+                <a:solidFill>
+                  <a:srgbClr val="002060"/>
+                </a:solidFill>
+              </a:rPr>
               <a:t>To select five random samples from our population of 1,460 houses for each of the four sampling techniques we use in Task 1 and count the number of samples for which the 95% confidence interval contain the population mean sale price of $180,921 for each sampling technique.</a:t>
             </a:r>
-            <a:endParaRPr lang="en-US" sz="1600" dirty="0">
-              <a:solidFill>
-                <a:srgbClr val="002060"/>
-              </a:solidFill>
-            </a:endParaRPr>
           </a:p>
         </p:txBody>
       </p:sp>
@@ -11347,7 +11398,11 @@
               </a:lnSpc>
             </a:pPr>
             <a:r>
-              <a:rPr lang="en-US" sz="1600" dirty="0"/>
+              <a:rPr lang="en-US" sz="1600" dirty="0">
+                <a:solidFill>
+                  <a:srgbClr val="002060"/>
+                </a:solidFill>
+              </a:rPr>
               <a:t>Mean of average house sale prices under SRS based on 5 samples is more than $3,000 lower than the population mean </a:t>
             </a:r>
           </a:p>
@@ -11358,7 +11413,11 @@
               </a:lnSpc>
             </a:pPr>
             <a:r>
-              <a:rPr lang="en-US" sz="1600" dirty="0"/>
+              <a:rPr lang="en-US" sz="1600" dirty="0">
+                <a:solidFill>
+                  <a:srgbClr val="002060"/>
+                </a:solidFill>
+              </a:rPr>
               <a:t>Stratified sampling with proportional allocation yields an average sale price almost $2,000 above the population mean</a:t>
             </a:r>
           </a:p>
@@ -11369,15 +11428,27 @@
               </a:lnSpc>
             </a:pPr>
             <a:r>
-              <a:rPr lang="en-US" sz="1600" dirty="0"/>
+              <a:rPr lang="en-US" sz="1600" dirty="0">
+                <a:solidFill>
+                  <a:srgbClr val="002060"/>
+                </a:solidFill>
+              </a:rPr>
               <a:t>Stratified sampling with </a:t>
             </a:r>
             <a:r>
-              <a:rPr lang="en-US" sz="1600" dirty="0" err="1"/>
+              <a:rPr lang="en-US" sz="1600" dirty="0" err="1">
+                <a:solidFill>
+                  <a:srgbClr val="002060"/>
+                </a:solidFill>
+              </a:rPr>
               <a:t>Neyman</a:t>
             </a:r>
             <a:r>
-              <a:rPr lang="en-US" sz="1600" dirty="0"/>
+              <a:rPr lang="en-US" sz="1600" dirty="0">
+                <a:solidFill>
+                  <a:srgbClr val="002060"/>
+                </a:solidFill>
+              </a:rPr>
               <a:t> allocation comes the closest in predicting the population mean with a sample average of $181,530 across the five samples, merely $609 higher than population mean</a:t>
             </a:r>
           </a:p>
@@ -11388,15 +11459,27 @@
               </a:lnSpc>
             </a:pPr>
             <a:r>
-              <a:rPr lang="en-US" sz="1600" dirty="0"/>
+              <a:rPr lang="en-US" sz="1600" dirty="0">
+                <a:solidFill>
+                  <a:srgbClr val="002060"/>
+                </a:solidFill>
+              </a:rPr>
               <a:t>SRS method has the lowest average standard error at $4,616 while the </a:t>
             </a:r>
             <a:r>
-              <a:rPr lang="en-US" sz="1600" dirty="0" err="1"/>
+              <a:rPr lang="en-US" sz="1600" dirty="0" err="1">
+                <a:solidFill>
+                  <a:srgbClr val="002060"/>
+                </a:solidFill>
+              </a:rPr>
               <a:t>Neyman</a:t>
             </a:r>
             <a:r>
-              <a:rPr lang="en-US" sz="1600" dirty="0"/>
+              <a:rPr lang="en-US" sz="1600" dirty="0">
+                <a:solidFill>
+                  <a:srgbClr val="002060"/>
+                </a:solidFill>
+              </a:rPr>
               <a:t> method comes in second at an average of $4,871</a:t>
             </a:r>
           </a:p>
@@ -11407,7 +11490,11 @@
               </a:lnSpc>
             </a:pPr>
             <a:r>
-              <a:rPr lang="en-US" sz="1600" dirty="0"/>
+              <a:rPr lang="en-US" sz="1600" dirty="0">
+                <a:solidFill>
+                  <a:srgbClr val="002060"/>
+                </a:solidFill>
+              </a:rPr>
               <a:t>80% of the confidence intervals for sample mean under SRS capture the population mean whereas stratified sampling captures it in all cases</a:t>
             </a:r>
           </a:p>
@@ -11418,7 +11505,11 @@
               </a:lnSpc>
             </a:pPr>
             <a:r>
-              <a:rPr lang="en-US" sz="1600" dirty="0"/>
+              <a:rPr lang="en-US" sz="1600" dirty="0">
+                <a:solidFill>
+                  <a:srgbClr val="002060"/>
+                </a:solidFill>
+              </a:rPr>
               <a:t>Confidence intervals for sample mean fails to contain population mean in 40% cases for two stage design</a:t>
             </a:r>
           </a:p>
@@ -11429,15 +11520,27 @@
               </a:lnSpc>
             </a:pPr>
             <a:r>
-              <a:rPr lang="en-US" sz="1600" dirty="0"/>
+              <a:rPr lang="en-US" sz="1600" dirty="0">
+                <a:solidFill>
+                  <a:srgbClr val="002060"/>
+                </a:solidFill>
+              </a:rPr>
               <a:t>Overall, stratification following </a:t>
             </a:r>
             <a:r>
-              <a:rPr lang="en-US" sz="1600" dirty="0" err="1"/>
+              <a:rPr lang="en-US" sz="1600" dirty="0" err="1">
+                <a:solidFill>
+                  <a:srgbClr val="002060"/>
+                </a:solidFill>
+              </a:rPr>
               <a:t>Neyman</a:t>
             </a:r>
             <a:r>
-              <a:rPr lang="en-US" sz="1600" dirty="0"/>
+              <a:rPr lang="en-US" sz="1600" dirty="0">
+                <a:solidFill>
+                  <a:srgbClr val="002060"/>
+                </a:solidFill>
+              </a:rPr>
               <a:t> allocation produces the perfect balance between accuracy (minimal bias) and precision (minimal variance)</a:t>
             </a:r>
           </a:p>
@@ -12565,8 +12668,8 @@
         </p:blipFill>
         <p:spPr bwMode="auto">
           <a:xfrm>
-            <a:off x="6965004" y="3871379"/>
-            <a:ext cx="4388795" cy="2610556"/>
+            <a:off x="7091265" y="3871379"/>
+            <a:ext cx="4262534" cy="2610556"/>
           </a:xfrm>
           <a:prstGeom prst="rect">
             <a:avLst/>
@@ -12590,8 +12693,8 @@
         </p:nvSpPr>
         <p:spPr>
           <a:xfrm>
-            <a:off x="838199" y="3874846"/>
-            <a:ext cx="5971163" cy="2618027"/>
+            <a:off x="838199" y="3837522"/>
+            <a:ext cx="6253066" cy="2723590"/>
           </a:xfrm>
           <a:prstGeom prst="rect">
             <a:avLst/>
@@ -12607,7 +12710,7 @@
         </p:spPr>
         <p:txBody>
           <a:bodyPr vert="horz" lIns="91440" tIns="45720" rIns="91440" bIns="45720" rtlCol="0">
-            <a:normAutofit fontScale="92500" lnSpcReduction="10000"/>
+            <a:noAutofit/>
           </a:bodyPr>
           <a:lstStyle>
             <a:lvl1pPr marL="228600" indent="-228600" algn="l" defTabSz="914400" rtl="0" eaLnBrk="1" latinLnBrk="0" hangingPunct="1">
@@ -13555,7 +13658,6 @@
                 <a:effectLst/>
                 <a:uLnTx/>
                 <a:uFillTx/>
-                <a:latin typeface="Calibri" panose="020F0502020204030204"/>
                 <a:ea typeface="+mn-ea"/>
                 <a:cs typeface="+mn-cs"/>
               </a:rPr>
@@ -13566,7 +13668,6 @@
                 <a:solidFill>
                   <a:srgbClr val="002060"/>
                 </a:solidFill>
-                <a:latin typeface="Calibri" panose="020F0502020204030204"/>
               </a:rPr>
               <a:t>CLT and large sample size, as</a:t>
             </a:r>
@@ -13581,7 +13682,6 @@
                 <a:effectLst/>
                 <a:uLnTx/>
                 <a:uFillTx/>
-                <a:latin typeface="Calibri" panose="020F0502020204030204"/>
                 <a:ea typeface="+mn-ea"/>
                 <a:cs typeface="+mn-cs"/>
               </a:rPr>
@@ -13598,7 +13698,6 @@
                 <a:effectLst/>
                 <a:uLnTx/>
                 <a:uFillTx/>
-                <a:latin typeface="Calibri" panose="020F0502020204030204"/>
                 <a:ea typeface="+mn-ea"/>
                 <a:cs typeface="+mn-cs"/>
               </a:rPr>
@@ -13611,7 +13710,6 @@
                 <a:solidFill>
                   <a:srgbClr val="002060"/>
                 </a:solidFill>
-                <a:latin typeface="Calibri" panose="020F0502020204030204"/>
               </a:rPr>
               <a:t>Margin of error = $10,000 (approximately 5% of average sale price in population)</a:t>
             </a:r>
@@ -13630,7 +13728,6 @@
               <a:effectLst/>
               <a:uLnTx/>
               <a:uFillTx/>
-              <a:latin typeface="Calibri" panose="020F0502020204030204"/>
               <a:ea typeface="+mn-ea"/>
               <a:cs typeface="+mn-cs"/>
             </a:endParaRPr>
@@ -13644,7 +13741,6 @@
                 <a:solidFill>
                   <a:srgbClr val="002060"/>
                 </a:solidFill>
-                <a:latin typeface="Calibri" panose="020F0502020204030204"/>
               </a:rPr>
               <a:t>Initial sample size:	</a:t>
             </a:r>
@@ -13658,7 +13754,6 @@
                 <a:solidFill>
                   <a:srgbClr val="002060"/>
                 </a:solidFill>
-                <a:latin typeface="Calibri" panose="020F0502020204030204"/>
               </a:rPr>
               <a:t>n</a:t>
             </a:r>
@@ -13667,7 +13762,6 @@
                 <a:solidFill>
                   <a:srgbClr val="002060"/>
                 </a:solidFill>
-                <a:latin typeface="Calibri" panose="020F0502020204030204"/>
               </a:rPr>
               <a:t>0,srs</a:t>
             </a:r>
@@ -13676,7 +13770,6 @@
                 <a:solidFill>
                   <a:srgbClr val="002060"/>
                 </a:solidFill>
-                <a:latin typeface="Calibri" panose="020F0502020204030204"/>
               </a:rPr>
               <a:t> = (z</a:t>
             </a:r>
@@ -13685,7 +13778,6 @@
                 <a:solidFill>
                   <a:srgbClr val="002060"/>
                 </a:solidFill>
-                <a:latin typeface="Calibri" panose="020F0502020204030204"/>
               </a:rPr>
               <a:t>95%</a:t>
             </a:r>
@@ -13694,7 +13786,6 @@
                 <a:solidFill>
                   <a:srgbClr val="002060"/>
                 </a:solidFill>
-                <a:latin typeface="Calibri" panose="020F0502020204030204"/>
               </a:rPr>
               <a:t>)</a:t>
             </a:r>
@@ -13703,7 +13794,6 @@
                 <a:solidFill>
                   <a:srgbClr val="002060"/>
                 </a:solidFill>
-                <a:latin typeface="Calibri" panose="020F0502020204030204"/>
               </a:rPr>
               <a:t>2</a:t>
             </a:r>
@@ -13712,7 +13802,6 @@
                 <a:solidFill>
                   <a:srgbClr val="002060"/>
                 </a:solidFill>
-                <a:latin typeface="Calibri" panose="020F0502020204030204"/>
               </a:rPr>
               <a:t> * s</a:t>
             </a:r>
@@ -13721,7 +13810,6 @@
                 <a:solidFill>
                   <a:srgbClr val="002060"/>
                 </a:solidFill>
-                <a:latin typeface="Calibri" panose="020F0502020204030204"/>
               </a:rPr>
               <a:t>2</a:t>
             </a:r>
@@ -13730,7 +13818,6 @@
                 <a:solidFill>
                   <a:srgbClr val="002060"/>
                 </a:solidFill>
-                <a:latin typeface="Calibri" panose="020F0502020204030204"/>
               </a:rPr>
               <a:t> / (I</a:t>
             </a:r>
@@ -13739,7 +13826,6 @@
                 <a:solidFill>
                   <a:srgbClr val="002060"/>
                 </a:solidFill>
-                <a:latin typeface="Calibri" panose="020F0502020204030204"/>
               </a:rPr>
               <a:t>95%</a:t>
             </a:r>
@@ -13748,7 +13834,6 @@
                 <a:solidFill>
                   <a:srgbClr val="002060"/>
                 </a:solidFill>
-                <a:latin typeface="Calibri" panose="020F0502020204030204"/>
               </a:rPr>
               <a:t>)</a:t>
             </a:r>
@@ -13757,7 +13842,6 @@
                 <a:solidFill>
                   <a:srgbClr val="002060"/>
                 </a:solidFill>
-                <a:latin typeface="Calibri" panose="020F0502020204030204"/>
               </a:rPr>
               <a:t>2</a:t>
             </a:r>
@@ -13766,7 +13850,6 @@
                 <a:solidFill>
                   <a:srgbClr val="002060"/>
                 </a:solidFill>
-                <a:latin typeface="Calibri" panose="020F0502020204030204"/>
               </a:rPr>
               <a:t> = (1.96)</a:t>
             </a:r>
@@ -13775,7 +13858,6 @@
                 <a:solidFill>
                   <a:srgbClr val="002060"/>
                 </a:solidFill>
-                <a:latin typeface="Calibri" panose="020F0502020204030204"/>
               </a:rPr>
               <a:t>2</a:t>
             </a:r>
@@ -13784,7 +13866,6 @@
                 <a:solidFill>
                   <a:srgbClr val="002060"/>
                 </a:solidFill>
-                <a:latin typeface="Calibri" panose="020F0502020204030204"/>
               </a:rPr>
               <a:t>*(79415)</a:t>
             </a:r>
@@ -13793,7 +13874,6 @@
                 <a:solidFill>
                   <a:srgbClr val="002060"/>
                 </a:solidFill>
-                <a:latin typeface="Calibri" panose="020F0502020204030204"/>
               </a:rPr>
               <a:t>2</a:t>
             </a:r>
@@ -13802,7 +13882,6 @@
                 <a:solidFill>
                   <a:srgbClr val="002060"/>
                 </a:solidFill>
-                <a:latin typeface="Calibri" panose="020F0502020204030204"/>
               </a:rPr>
               <a:t>/(10000)</a:t>
             </a:r>
@@ -13811,7 +13890,6 @@
                 <a:solidFill>
                   <a:srgbClr val="002060"/>
                 </a:solidFill>
-                <a:latin typeface="Calibri" panose="020F0502020204030204"/>
               </a:rPr>
               <a:t>2</a:t>
             </a:r>
@@ -13820,7 +13898,6 @@
                 <a:solidFill>
                   <a:srgbClr val="002060"/>
                 </a:solidFill>
-                <a:latin typeface="Calibri" panose="020F0502020204030204"/>
               </a:rPr>
               <a:t> = 242 </a:t>
             </a:r>
@@ -13848,7 +13925,6 @@
                   <a:srgbClr val="002060"/>
                 </a:solidFill>
                 <a:effectLst/>
-                <a:latin typeface="Calibri" panose="020F0502020204030204" pitchFamily="34" charset="0"/>
                 <a:ea typeface="Calibri" panose="020F0502020204030204" pitchFamily="34" charset="0"/>
                 <a:cs typeface="Times New Roman" panose="02020603050405020304" pitchFamily="18" charset="0"/>
               </a:rPr>
@@ -13860,7 +13936,6 @@
                   <a:srgbClr val="002060"/>
                 </a:solidFill>
                 <a:effectLst/>
-                <a:latin typeface="Calibri" panose="020F0502020204030204" pitchFamily="34" charset="0"/>
                 <a:ea typeface="Calibri" panose="020F0502020204030204" pitchFamily="34" charset="0"/>
                 <a:cs typeface="Times New Roman" panose="02020603050405020304" pitchFamily="18" charset="0"/>
               </a:rPr>
@@ -13872,7 +13947,6 @@
                   <a:srgbClr val="002060"/>
                 </a:solidFill>
                 <a:effectLst/>
-                <a:latin typeface="Calibri" panose="020F0502020204030204" pitchFamily="34" charset="0"/>
                 <a:ea typeface="Calibri" panose="020F0502020204030204" pitchFamily="34" charset="0"/>
                 <a:cs typeface="Times New Roman" panose="02020603050405020304" pitchFamily="18" charset="0"/>
               </a:rPr>
@@ -13884,7 +13958,6 @@
                   <a:srgbClr val="002060"/>
                 </a:solidFill>
                 <a:effectLst/>
-                <a:latin typeface="Calibri" panose="020F0502020204030204" pitchFamily="34" charset="0"/>
                 <a:ea typeface="Calibri" panose="020F0502020204030204" pitchFamily="34" charset="0"/>
               </a:rPr>
               <a:t>n</a:t>
@@ -13895,7 +13968,6 @@
                   <a:srgbClr val="002060"/>
                 </a:solidFill>
                 <a:effectLst/>
-                <a:latin typeface="Calibri" panose="020F0502020204030204" pitchFamily="34" charset="0"/>
                 <a:ea typeface="Calibri" panose="020F0502020204030204" pitchFamily="34" charset="0"/>
               </a:rPr>
               <a:t>0,srs</a:t>
@@ -13906,7 +13978,6 @@
                   <a:srgbClr val="002060"/>
                 </a:solidFill>
                 <a:effectLst/>
-                <a:latin typeface="Calibri" panose="020F0502020204030204" pitchFamily="34" charset="0"/>
                 <a:ea typeface="Calibri" panose="020F0502020204030204" pitchFamily="34" charset="0"/>
               </a:rPr>
               <a:t> / (1 + n</a:t>
@@ -13917,7 +13988,6 @@
                   <a:srgbClr val="002060"/>
                 </a:solidFill>
                 <a:effectLst/>
-                <a:latin typeface="Calibri" panose="020F0502020204030204" pitchFamily="34" charset="0"/>
                 <a:ea typeface="Calibri" panose="020F0502020204030204" pitchFamily="34" charset="0"/>
               </a:rPr>
               <a:t>0,srs</a:t>
@@ -13928,7 +13998,6 @@
                   <a:srgbClr val="002060"/>
                 </a:solidFill>
                 <a:effectLst/>
-                <a:latin typeface="Calibri" panose="020F0502020204030204" pitchFamily="34" charset="0"/>
                 <a:ea typeface="Calibri" panose="020F0502020204030204" pitchFamily="34" charset="0"/>
               </a:rPr>
               <a:t> /N) = 242 / (1+ 242/1460) = 208</a:t>
@@ -13943,7 +14012,6 @@
                 <a:srgbClr val="002060"/>
               </a:solidFill>
               <a:effectLst/>
-              <a:latin typeface="Calibri" panose="020F0502020204030204" pitchFamily="34" charset="0"/>
               <a:ea typeface="Calibri" panose="020F0502020204030204" pitchFamily="34" charset="0"/>
             </a:endParaRPr>
           </a:p>
@@ -13953,7 +14021,6 @@
                 <a:solidFill>
                   <a:srgbClr val="002060"/>
                 </a:solidFill>
-                <a:latin typeface="Calibri" panose="020F0502020204030204"/>
               </a:rPr>
               <a:t>Consider sample size of 208 houses for all four sampling methods irrespective of complexity of the designs.</a:t>
             </a:r>
